--- a/Heroku Deployment Diagrams.pptx
+++ b/Heroku Deployment Diagrams.pptx
@@ -587,7 +587,7 @@
           <a:p>
             <a:fld id="{EA0C0817-A112-4847-8014-A94B7D2A4EA3}" type="datetime1">
               <a:rPr lang="en-US" smtClean="0"/>
-              <a:t>1/18/2021</a:t>
+              <a:t>1/19/2021</a:t>
             </a:fld>
             <a:endParaRPr lang="en-US" dirty="0"/>
           </a:p>
@@ -789,7 +789,7 @@
           <a:p>
             <a:fld id="{7332B432-ACDA-4023-A761-2BAB76577B62}" type="datetime1">
               <a:rPr lang="en-US" smtClean="0"/>
-              <a:t>1/18/2021</a:t>
+              <a:t>1/19/2021</a:t>
             </a:fld>
             <a:endParaRPr lang="en-US" dirty="0"/>
           </a:p>
@@ -1388,7 +1388,7 @@
           <a:p>
             <a:fld id="{D9C646AA-F36E-4540-911D-FFFC0A0EF24A}" type="datetime1">
               <a:rPr lang="en-US" smtClean="0"/>
-              <a:t>1/18/2021</a:t>
+              <a:t>1/19/2021</a:t>
             </a:fld>
             <a:endParaRPr lang="en-US" dirty="0"/>
           </a:p>
@@ -1708,7 +1708,7 @@
           <a:p>
             <a:fld id="{69186D26-FA5F-4637-B602-B7C2DC34CFD4}" type="datetime1">
               <a:rPr lang="en-US" smtClean="0"/>
-              <a:t>1/18/2021</a:t>
+              <a:t>1/19/2021</a:t>
             </a:fld>
             <a:endParaRPr lang="en-US" dirty="0"/>
           </a:p>
@@ -2145,7 +2145,7 @@
           <a:p>
             <a:fld id="{8A7F15D8-96D1-4781-BC50-CA8A088B2FE4}" type="datetime1">
               <a:rPr lang="en-US" smtClean="0"/>
-              <a:t>1/18/2021</a:t>
+              <a:t>1/19/2021</a:t>
             </a:fld>
             <a:endParaRPr lang="en-US" dirty="0"/>
           </a:p>
@@ -2263,7 +2263,7 @@
           <a:p>
             <a:fld id="{F9A96C99-B8F8-4528-BD05-0E16E943DC09}" type="datetime1">
               <a:rPr lang="en-US" smtClean="0"/>
-              <a:t>1/18/2021</a:t>
+              <a:t>1/19/2021</a:t>
             </a:fld>
             <a:endParaRPr lang="en-US" dirty="0"/>
           </a:p>
@@ -2358,7 +2358,7 @@
           <a:p>
             <a:fld id="{03636942-C211-4B28-8DBD-C953E00AF71B}" type="datetime1">
               <a:rPr lang="en-US" smtClean="0"/>
-              <a:t>1/18/2021</a:t>
+              <a:t>1/19/2021</a:t>
             </a:fld>
             <a:endParaRPr lang="en-US" dirty="0"/>
           </a:p>
@@ -2775,7 +2775,7 @@
           <a:p>
             <a:fld id="{7E8D12A6-918A-48BD-8CB9-CA713993B0EA}" type="datetime1">
               <a:rPr lang="en-US" smtClean="0"/>
-              <a:t>1/18/2021</a:t>
+              <a:t>1/19/2021</a:t>
             </a:fld>
             <a:endParaRPr lang="en-US" dirty="0"/>
           </a:p>
@@ -3037,7 +3037,7 @@
             <a:fld id="{E778CE86-875F-4587-BCF6-FA054AFC0D53}" type="datetime1">
               <a:rPr lang="en-US" smtClean="0"/>
               <a:pPr/>
-              <a:t>1/18/2021</a:t>
+              <a:t>1/19/2021</a:t>
             </a:fld>
             <a:endParaRPr lang="en-US" dirty="0"/>
           </a:p>
@@ -3553,7 +3553,7 @@
           <a:p>
             <a:fld id="{F6FA2B21-3FCD-4721-B95C-427943F61125}" type="datetime1">
               <a:rPr lang="en-US" smtClean="0"/>
-              <a:t>1/18/2021</a:t>
+              <a:t>1/19/2021</a:t>
             </a:fld>
             <a:endParaRPr lang="en-US" dirty="0"/>
           </a:p>
@@ -4191,6 +4191,84 @@
           </a:p>
         </p:txBody>
       </p:sp>
+      <p:sp>
+        <p:nvSpPr>
+          <p:cNvPr id="7" name="Title 1">
+            <a:extLst>
+              <a:ext uri="{FF2B5EF4-FFF2-40B4-BE49-F238E27FC236}">
+                <a16:creationId xmlns:a16="http://schemas.microsoft.com/office/drawing/2014/main" id="{5671D843-63E0-4D3C-8D0F-72899337C352}"/>
+              </a:ext>
+            </a:extLst>
+          </p:cNvPr>
+          <p:cNvSpPr txBox="1">
+            <a:spLocks/>
+          </p:cNvSpPr>
+          <p:nvPr/>
+        </p:nvSpPr>
+        <p:spPr>
+          <a:xfrm>
+            <a:off x="6033792" y="3429000"/>
+            <a:ext cx="4775075" cy="1630907"/>
+          </a:xfrm>
+          <a:prstGeom prst="rect">
+            <a:avLst/>
+          </a:prstGeom>
+        </p:spPr>
+        <p:txBody>
+          <a:bodyPr vert="horz" lIns="91440" tIns="45720" rIns="91440" bIns="45720" rtlCol="0" anchor="ctr">
+            <a:normAutofit/>
+          </a:bodyPr>
+          <a:lstStyle>
+            <a:lvl1pPr algn="ctr" defTabSz="914400" rtl="0" eaLnBrk="1" latinLnBrk="0" hangingPunct="1">
+              <a:lnSpc>
+                <a:spcPct val="83000"/>
+              </a:lnSpc>
+              <a:spcBef>
+                <a:spcPct val="0"/>
+              </a:spcBef>
+              <a:buNone/>
+              <a:defRPr lang="en-US" sz="6800" b="0" i="0" kern="1200" cap="all" spc="-100" baseline="0" dirty="0">
+                <a:solidFill>
+                  <a:schemeClr val="tx1">
+                    <a:lumMod val="85000"/>
+                    <a:lumOff val="15000"/>
+                  </a:schemeClr>
+                </a:solidFill>
+                <a:effectLst/>
+                <a:latin typeface="+mj-lt"/>
+                <a:ea typeface="+mn-ea"/>
+                <a:cs typeface="+mn-cs"/>
+              </a:defRPr>
+            </a:lvl1pPr>
+          </a:lstStyle>
+          <a:p>
+            <a:r>
+              <a:rPr lang="en-US" sz="3600" dirty="0">
+                <a:solidFill>
+                  <a:schemeClr val="tx1"/>
+                </a:solidFill>
+                <a:latin typeface="+mn-lt"/>
+              </a:rPr>
+              <a:t>ON </a:t>
+            </a:r>
+            <a:r>
+              <a:rPr lang="en-US" sz="3600" dirty="0" err="1">
+                <a:solidFill>
+                  <a:schemeClr val="tx1"/>
+                </a:solidFill>
+                <a:latin typeface="+mn-lt"/>
+              </a:rPr>
+              <a:t>hEROKU</a:t>
+            </a:r>
+            <a:endParaRPr lang="en-US" sz="3600" dirty="0">
+              <a:solidFill>
+                <a:schemeClr val="tx1"/>
+              </a:solidFill>
+              <a:latin typeface="+mn-lt"/>
+            </a:endParaRPr>
+          </a:p>
+        </p:txBody>
+      </p:sp>
     </p:spTree>
     <p:extLst>
       <p:ext uri="{BB962C8B-B14F-4D97-AF65-F5344CB8AC3E}">
@@ -4263,8 +4341,8 @@
         </p:nvSpPr>
         <p:spPr>
           <a:xfrm>
-            <a:off x="1817305" y="2250501"/>
-            <a:ext cx="8149086" cy="3839748"/>
+            <a:off x="2291643" y="2250501"/>
+            <a:ext cx="7674747" cy="3839748"/>
           </a:xfrm>
           <a:prstGeom prst="rect">
             <a:avLst/>
@@ -4592,7 +4670,7 @@
             <a:solidFill>
               <a:schemeClr val="tx1"/>
             </a:solidFill>
-            <a:headEnd type="triangle"/>
+            <a:headEnd type="none"/>
             <a:tailEnd type="triangle"/>
           </a:ln>
         </p:spPr>
@@ -4701,41 +4779,6 @@
       </p:sp>
       <p:sp>
         <p:nvSpPr>
-          <p:cNvPr id="24" name="TextBox 23">
-            <a:extLst>
-              <a:ext uri="{FF2B5EF4-FFF2-40B4-BE49-F238E27FC236}">
-                <a16:creationId xmlns:a16="http://schemas.microsoft.com/office/drawing/2014/main" id="{64B42F96-E9F6-458E-8BEC-4F45D114B89B}"/>
-              </a:ext>
-            </a:extLst>
-          </p:cNvPr>
-          <p:cNvSpPr txBox="1"/>
-          <p:nvPr/>
-        </p:nvSpPr>
-        <p:spPr>
-          <a:xfrm>
-            <a:off x="2910284" y="2285334"/>
-            <a:ext cx="1371440" cy="369332"/>
-          </a:xfrm>
-          <a:prstGeom prst="rect">
-            <a:avLst/>
-          </a:prstGeom>
-          <a:noFill/>
-        </p:spPr>
-        <p:txBody>
-          <a:bodyPr wrap="square" rtlCol="0">
-            <a:spAutoFit/>
-          </a:bodyPr>
-          <a:lstStyle/>
-          <a:p>
-            <a:r>
-              <a:rPr lang="en-US" dirty="0"/>
-              <a:t>Database</a:t>
-            </a:r>
-          </a:p>
-        </p:txBody>
-      </p:sp>
-      <p:sp>
-        <p:nvSpPr>
           <p:cNvPr id="28" name="TextBox 27">
             <a:extLst>
               <a:ext uri="{FF2B5EF4-FFF2-40B4-BE49-F238E27FC236}">
@@ -4938,6 +4981,45 @@
             <a:r>
               <a:rPr lang="en-US" dirty="0"/>
               <a:t>Flask App</a:t>
+            </a:r>
+          </a:p>
+        </p:txBody>
+      </p:sp>
+      <p:sp>
+        <p:nvSpPr>
+          <p:cNvPr id="19" name="TextBox 18">
+            <a:extLst>
+              <a:ext uri="{FF2B5EF4-FFF2-40B4-BE49-F238E27FC236}">
+                <a16:creationId xmlns:a16="http://schemas.microsoft.com/office/drawing/2014/main" id="{54F009EC-908A-4BBD-8EBB-96C9E7A2127C}"/>
+              </a:ext>
+            </a:extLst>
+          </p:cNvPr>
+          <p:cNvSpPr txBox="1"/>
+          <p:nvPr/>
+        </p:nvSpPr>
+        <p:spPr>
+          <a:xfrm>
+            <a:off x="3290407" y="2621420"/>
+            <a:ext cx="1371440" cy="369332"/>
+          </a:xfrm>
+          <a:prstGeom prst="rect">
+            <a:avLst/>
+          </a:prstGeom>
+          <a:noFill/>
+        </p:spPr>
+        <p:txBody>
+          <a:bodyPr wrap="square" rtlCol="0">
+            <a:spAutoFit/>
+          </a:bodyPr>
+          <a:lstStyle/>
+          <a:p>
+            <a:r>
+              <a:rPr lang="en-US" dirty="0">
+                <a:solidFill>
+                  <a:schemeClr val="bg1"/>
+                </a:solidFill>
+              </a:rPr>
+              <a:t>DB</a:t>
             </a:r>
           </a:p>
         </p:txBody>
@@ -5319,41 +5401,6 @@
             <a:r>
               <a:rPr lang="en-US" dirty="0"/>
               <a:t>Your Local Machine</a:t>
-            </a:r>
-          </a:p>
-        </p:txBody>
-      </p:sp>
-      <p:sp>
-        <p:nvSpPr>
-          <p:cNvPr id="24" name="TextBox 23">
-            <a:extLst>
-              <a:ext uri="{FF2B5EF4-FFF2-40B4-BE49-F238E27FC236}">
-                <a16:creationId xmlns:a16="http://schemas.microsoft.com/office/drawing/2014/main" id="{64B42F96-E9F6-458E-8BEC-4F45D114B89B}"/>
-              </a:ext>
-            </a:extLst>
-          </p:cNvPr>
-          <p:cNvSpPr txBox="1"/>
-          <p:nvPr/>
-        </p:nvSpPr>
-        <p:spPr>
-          <a:xfrm>
-            <a:off x="1350626" y="3157847"/>
-            <a:ext cx="1371440" cy="369332"/>
-          </a:xfrm>
-          <a:prstGeom prst="rect">
-            <a:avLst/>
-          </a:prstGeom>
-          <a:noFill/>
-        </p:spPr>
-        <p:txBody>
-          <a:bodyPr wrap="square" rtlCol="0">
-            <a:spAutoFit/>
-          </a:bodyPr>
-          <a:lstStyle/>
-          <a:p>
-            <a:r>
-              <a:rPr lang="en-US" dirty="0"/>
-              <a:t>Database</a:t>
             </a:r>
           </a:p>
         </p:txBody>
@@ -6088,6 +6135,45 @@
           </a:p>
         </p:txBody>
       </p:sp>
+      <p:sp>
+        <p:nvSpPr>
+          <p:cNvPr id="25" name="TextBox 24">
+            <a:extLst>
+              <a:ext uri="{FF2B5EF4-FFF2-40B4-BE49-F238E27FC236}">
+                <a16:creationId xmlns:a16="http://schemas.microsoft.com/office/drawing/2014/main" id="{F72DBAF3-F2C8-44CC-A84B-CAF05D880D6B}"/>
+              </a:ext>
+            </a:extLst>
+          </p:cNvPr>
+          <p:cNvSpPr txBox="1"/>
+          <p:nvPr/>
+        </p:nvSpPr>
+        <p:spPr>
+          <a:xfrm>
+            <a:off x="1731004" y="3520874"/>
+            <a:ext cx="1371440" cy="369332"/>
+          </a:xfrm>
+          <a:prstGeom prst="rect">
+            <a:avLst/>
+          </a:prstGeom>
+          <a:noFill/>
+        </p:spPr>
+        <p:txBody>
+          <a:bodyPr wrap="square" rtlCol="0">
+            <a:spAutoFit/>
+          </a:bodyPr>
+          <a:lstStyle/>
+          <a:p>
+            <a:r>
+              <a:rPr lang="en-US" dirty="0">
+                <a:solidFill>
+                  <a:schemeClr val="bg1"/>
+                </a:solidFill>
+              </a:rPr>
+              <a:t>DB</a:t>
+            </a:r>
+          </a:p>
+        </p:txBody>
+      </p:sp>
     </p:spTree>
     <p:extLst>
       <p:ext uri="{BB962C8B-B14F-4D97-AF65-F5344CB8AC3E}">
@@ -6146,7 +6232,7 @@
         </p:blipFill>
         <p:spPr>
           <a:xfrm>
-            <a:off x="4258431" y="1594594"/>
+            <a:off x="4258431" y="1718773"/>
             <a:ext cx="1712567" cy="1712567"/>
           </a:xfrm>
           <a:prstGeom prst="rect">
@@ -6354,7 +6440,7 @@
         </p:nvSpPr>
         <p:spPr>
           <a:xfrm>
-            <a:off x="4868976" y="1739774"/>
+            <a:off x="4879656" y="1842287"/>
             <a:ext cx="1371440" cy="369332"/>
           </a:xfrm>
           <a:prstGeom prst="rect">
@@ -6917,7 +7003,7 @@
               <a:schemeClr val="tx1"/>
             </a:solidFill>
             <a:headEnd type="triangle"/>
-            <a:tailEnd type="triangle"/>
+            <a:tailEnd type="none"/>
           </a:ln>
         </p:spPr>
         <p:style>
@@ -6951,7 +7037,7 @@
         </p:nvCxnSpPr>
         <p:spPr>
           <a:xfrm>
-            <a:off x="5657684" y="5085709"/>
+            <a:off x="5657684" y="5293530"/>
             <a:ext cx="573254" cy="0"/>
           </a:xfrm>
           <a:prstGeom prst="straightConnector1">
@@ -6961,7 +7047,7 @@
             <a:solidFill>
               <a:schemeClr val="tx1"/>
             </a:solidFill>
-            <a:headEnd type="triangle"/>
+            <a:headEnd type="none"/>
             <a:tailEnd type="triangle"/>
           </a:ln>
         </p:spPr>
@@ -6996,8 +7082,8 @@
         </p:nvCxnSpPr>
         <p:spPr>
           <a:xfrm>
-            <a:off x="3792209" y="5297770"/>
-            <a:ext cx="814584" cy="23937"/>
+            <a:off x="3920836" y="5321707"/>
+            <a:ext cx="685957" cy="0"/>
           </a:xfrm>
           <a:prstGeom prst="straightConnector1">
             <a:avLst/>
@@ -7006,7 +7092,7 @@
             <a:solidFill>
               <a:schemeClr val="tx1"/>
             </a:solidFill>
-            <a:headEnd type="triangle"/>
+            <a:headEnd type="none"/>
             <a:tailEnd type="triangle"/>
           </a:ln>
         </p:spPr>
@@ -7036,14 +7122,13 @@
           </p:cNvPr>
           <p:cNvCxnSpPr>
             <a:cxnSpLocks/>
-            <a:stCxn id="6" idx="2"/>
           </p:cNvCxnSpPr>
           <p:nvPr/>
         </p:nvCxnSpPr>
         <p:spPr>
           <a:xfrm>
-            <a:off x="5114715" y="3307161"/>
-            <a:ext cx="1861" cy="848585"/>
+            <a:off x="5736784" y="2590765"/>
+            <a:ext cx="576809" cy="0"/>
           </a:xfrm>
           <a:prstGeom prst="straightConnector1">
             <a:avLst/>
@@ -8166,24 +8251,6 @@
 </file>
 
 <file path=customXml/item1.xml><?xml version="1.0" encoding="utf-8"?>
-<p:properties xmlns:p="http://schemas.microsoft.com/office/2006/metadata/properties" xmlns:xsi="http://www.w3.org/2001/XMLSchema-instance" xmlns:pc="http://schemas.microsoft.com/office/infopath/2007/PartnerControls">
-  <documentManagement>
-    <Status xmlns="71af3243-3dd4-4a8d-8c0d-dd76da1f02a5">Not started</Status>
-    <MediaServiceKeyPoints xmlns="71af3243-3dd4-4a8d-8c0d-dd76da1f02a5" xsi:nil="true"/>
-  </documentManagement>
-</p:properties>
-</file>
-
-<file path=customXml/item2.xml><?xml version="1.0" encoding="utf-8"?>
-<?mso-contentType ?>
-<FormTemplates xmlns="http://schemas.microsoft.com/sharepoint/v3/contenttype/forms">
-  <Display>DocumentLibraryForm</Display>
-  <Edit>DocumentLibraryForm</Edit>
-  <New>DocumentLibraryForm</New>
-</FormTemplates>
-</file>
-
-<file path=customXml/item3.xml><?xml version="1.0" encoding="utf-8"?>
 <ct:contentTypeSchema xmlns:ct="http://schemas.microsoft.com/office/2006/metadata/contentType" xmlns:ma="http://schemas.microsoft.com/office/2006/metadata/properties/metaAttributes" ct:_="" ma:_="" ma:contentTypeName="Document" ma:contentTypeID="0x01010079F111ED35F8CC479449609E8A0923A6" ma:contentTypeVersion="12" ma:contentTypeDescription="Create a new document." ma:contentTypeScope="" ma:versionID="a410dd7f93c95333ffa1b60ed6adedd1">
   <xsd:schema xmlns:xsd="http://www.w3.org/2001/XMLSchema" xmlns:xs="http://www.w3.org/2001/XMLSchema" xmlns:p="http://schemas.microsoft.com/office/2006/metadata/properties" xmlns:ns2="71af3243-3dd4-4a8d-8c0d-dd76da1f02a5" xmlns:ns3="16c05727-aa75-4e4a-9b5f-8a80a1165891" targetNamespace="http://schemas.microsoft.com/office/2006/metadata/properties" ma:root="true" ma:fieldsID="a936d9baba76aa3866493feff160faab" ns2:_="" ns3:_="">
     <xsd:import namespace="71af3243-3dd4-4a8d-8c0d-dd76da1f02a5"/>
@@ -8404,25 +8471,25 @@
 </ct:contentTypeSchema>
 </file>
 
-<file path=customXml/itemProps1.xml><?xml version="1.0" encoding="utf-8"?>
-<ds:datastoreItem xmlns:ds="http://schemas.openxmlformats.org/officeDocument/2006/customXml" ds:itemID="{137651BA-F45C-4845-9AB3-E0A65B39F5E1}">
-  <ds:schemaRefs>
-    <ds:schemaRef ds:uri="http://schemas.microsoft.com/office/2006/metadata/properties"/>
-    <ds:schemaRef ds:uri="http://schemas.microsoft.com/office/infopath/2007/PartnerControls"/>
-    <ds:schemaRef ds:uri="71af3243-3dd4-4a8d-8c0d-dd76da1f02a5"/>
-  </ds:schemaRefs>
-</ds:datastoreItem>
+<file path=customXml/item2.xml><?xml version="1.0" encoding="utf-8"?>
+<?mso-contentType ?>
+<FormTemplates xmlns="http://schemas.microsoft.com/sharepoint/v3/contenttype/forms">
+  <Display>DocumentLibraryForm</Display>
+  <Edit>DocumentLibraryForm</Edit>
+  <New>DocumentLibraryForm</New>
+</FormTemplates>
 </file>
 
-<file path=customXml/itemProps2.xml><?xml version="1.0" encoding="utf-8"?>
-<ds:datastoreItem xmlns:ds="http://schemas.openxmlformats.org/officeDocument/2006/customXml" ds:itemID="{CDB58277-F8DF-46FF-84EC-EF41B835E69F}">
-  <ds:schemaRefs>
-    <ds:schemaRef ds:uri="http://schemas.microsoft.com/sharepoint/v3/contenttype/forms"/>
-  </ds:schemaRefs>
-</ds:datastoreItem>
+<file path=customXml/item3.xml><?xml version="1.0" encoding="utf-8"?>
+<p:properties xmlns:p="http://schemas.microsoft.com/office/2006/metadata/properties" xmlns:xsi="http://www.w3.org/2001/XMLSchema-instance" xmlns:pc="http://schemas.microsoft.com/office/infopath/2007/PartnerControls">
+  <documentManagement>
+    <Status xmlns="71af3243-3dd4-4a8d-8c0d-dd76da1f02a5">Not started</Status>
+    <MediaServiceKeyPoints xmlns="71af3243-3dd4-4a8d-8c0d-dd76da1f02a5" xsi:nil="true"/>
+  </documentManagement>
+</p:properties>
 </file>
 
-<file path=customXml/itemProps3.xml><?xml version="1.0" encoding="utf-8"?>
+<file path=customXml/itemProps1.xml><?xml version="1.0" encoding="utf-8"?>
 <ds:datastoreItem xmlns:ds="http://schemas.openxmlformats.org/officeDocument/2006/customXml" ds:itemID="{2D276E62-80A3-44DD-9BCC-97ED2B99B57F}">
   <ds:schemaRefs>
     <ds:schemaRef ds:uri="http://schemas.microsoft.com/office/2006/metadata/contentType"/>
@@ -8439,4 +8506,22 @@
     <ds:schemaRef ds:uri="http://schemas.microsoft.com/internal/obd"/>
   </ds:schemaRefs>
 </ds:datastoreItem>
+</file>
+
+<file path=customXml/itemProps2.xml><?xml version="1.0" encoding="utf-8"?>
+<ds:datastoreItem xmlns:ds="http://schemas.openxmlformats.org/officeDocument/2006/customXml" ds:itemID="{CDB58277-F8DF-46FF-84EC-EF41B835E69F}">
+  <ds:schemaRefs>
+    <ds:schemaRef ds:uri="http://schemas.microsoft.com/sharepoint/v3/contenttype/forms"/>
+  </ds:schemaRefs>
+</ds:datastoreItem>
+</file>
+
+<file path=customXml/itemProps3.xml><?xml version="1.0" encoding="utf-8"?>
+<ds:datastoreItem xmlns:ds="http://schemas.openxmlformats.org/officeDocument/2006/customXml" ds:itemID="{137651BA-F45C-4845-9AB3-E0A65B39F5E1}">
+  <ds:schemaRefs>
+    <ds:schemaRef ds:uri="http://schemas.microsoft.com/office/2006/metadata/properties"/>
+    <ds:schemaRef ds:uri="http://schemas.microsoft.com/office/infopath/2007/PartnerControls"/>
+    <ds:schemaRef ds:uri="71af3243-3dd4-4a8d-8c0d-dd76da1f02a5"/>
+  </ds:schemaRefs>
+</ds:datastoreItem>
 </file>